--- a/trunk/2-Java-Programmer-Modulo-II/17.Capitulo10.pptx
+++ b/trunk/2-Java-Programmer-Modulo-II/17.Capitulo10.pptx
@@ -288,7 +288,7 @@
               <a:pPr>
                 <a:defRPr/>
               </a:pPr>
-              <a:t>30/05/2012</a:t>
+              <a:t>14/7/2012</a:t>
             </a:fld>
             <a:endParaRPr lang="pt-BR"/>
           </a:p>
@@ -4703,7 +4703,7 @@
               <a:pPr>
                 <a:defRPr/>
               </a:pPr>
-              <a:t>30/05/2012</a:t>
+              <a:t>14/7/2012</a:t>
             </a:fld>
             <a:endParaRPr lang="pt-BR"/>
           </a:p>
@@ -4895,7 +4895,7 @@
               <a:pPr>
                 <a:defRPr/>
               </a:pPr>
-              <a:t>30/05/2012</a:t>
+              <a:t>14/7/2012</a:t>
             </a:fld>
             <a:endParaRPr lang="pt-BR"/>
           </a:p>
@@ -5097,7 +5097,7 @@
               <a:pPr>
                 <a:defRPr/>
               </a:pPr>
-              <a:t>30/05/2012</a:t>
+              <a:t>14/7/2012</a:t>
             </a:fld>
             <a:endParaRPr lang="pt-BR"/>
           </a:p>
@@ -5293,7 +5293,7 @@
               <a:pPr>
                 <a:defRPr/>
               </a:pPr>
-              <a:t>30/05/2012</a:t>
+              <a:t>14/7/2012</a:t>
             </a:fld>
             <a:endParaRPr lang="pt-BR"/>
           </a:p>
@@ -5799,7 +5799,7 @@
               <a:pPr>
                 <a:defRPr/>
               </a:pPr>
-              <a:t>30/05/2012</a:t>
+              <a:t>14/7/2012</a:t>
             </a:fld>
             <a:endParaRPr lang="pt-BR"/>
           </a:p>
@@ -6090,7 +6090,7 @@
               <a:pPr>
                 <a:defRPr/>
               </a:pPr>
-              <a:t>30/05/2012</a:t>
+              <a:t>14/7/2012</a:t>
             </a:fld>
             <a:endParaRPr lang="pt-BR"/>
           </a:p>
@@ -6491,7 +6491,7 @@
               <a:pPr>
                 <a:defRPr/>
               </a:pPr>
-              <a:t>30/05/2012</a:t>
+              <a:t>14/7/2012</a:t>
             </a:fld>
             <a:endParaRPr lang="pt-BR"/>
           </a:p>
@@ -6640,7 +6640,7 @@
               <a:pPr>
                 <a:defRPr/>
               </a:pPr>
-              <a:t>30/05/2012</a:t>
+              <a:t>14/7/2012</a:t>
             </a:fld>
             <a:endParaRPr lang="pt-BR"/>
           </a:p>
@@ -6757,7 +6757,7 @@
               <a:pPr>
                 <a:defRPr/>
               </a:pPr>
-              <a:t>30/05/2012</a:t>
+              <a:t>14/7/2012</a:t>
             </a:fld>
             <a:endParaRPr lang="pt-BR"/>
           </a:p>
@@ -7033,7 +7033,7 @@
               <a:pPr>
                 <a:defRPr/>
               </a:pPr>
-              <a:t>30/05/2012</a:t>
+              <a:t>14/7/2012</a:t>
             </a:fld>
             <a:endParaRPr lang="pt-BR"/>
           </a:p>
@@ -7317,7 +7317,7 @@
               <a:pPr>
                 <a:defRPr/>
               </a:pPr>
-              <a:t>30/05/2012</a:t>
+              <a:t>14/7/2012</a:t>
             </a:fld>
             <a:endParaRPr lang="pt-BR"/>
           </a:p>
@@ -7795,7 +7795,7 @@
               <a:pPr>
                 <a:defRPr/>
               </a:pPr>
-              <a:t>30/05/2012</a:t>
+              <a:t>14/7/2012</a:t>
             </a:fld>
             <a:endParaRPr lang="pt-BR"/>
           </a:p>
@@ -21298,11 +21298,7 @@
           <a:p>
             <a:r>
               <a:rPr lang="pt-BR" sz="2400" dirty="0" smtClean="0"/>
-              <a:t>Arquivos </a:t>
-            </a:r>
-            <a:r>
-              <a:rPr lang="pt-BR" sz="2400" dirty="0" smtClean="0"/>
-              <a:t>binários</a:t>
+              <a:t>Arquivos binários</a:t>
             </a:r>
             <a:endParaRPr lang="pt-BR" sz="2000" dirty="0" smtClean="0"/>
           </a:p>
@@ -21453,11 +21449,7 @@
           <a:p>
             <a:r>
               <a:rPr lang="pt-BR" sz="2400" dirty="0" smtClean="0"/>
-              <a:t>Arquivos de acesso </a:t>
-            </a:r>
-            <a:r>
-              <a:rPr lang="pt-BR" sz="2400" dirty="0" smtClean="0"/>
-              <a:t>randômico</a:t>
+              <a:t>Arquivos de acesso randômico</a:t>
             </a:r>
             <a:endParaRPr lang="pt-BR" dirty="0" smtClean="0"/>
           </a:p>
@@ -23371,7 +23363,12 @@
             <p:ph type="title"/>
           </p:nvPr>
         </p:nvSpPr>
-        <p:spPr/>
+        <p:spPr>
+          <a:xfrm>
+            <a:off x="457200" y="274638"/>
+            <a:ext cx="8329642" cy="1143000"/>
+          </a:xfrm>
+        </p:spPr>
         <p:txBody>
           <a:bodyPr/>
           <a:lstStyle/>
@@ -28090,7 +28087,7 @@
         <p:spPr>
           <a:xfrm>
             <a:off x="457200" y="274638"/>
-            <a:ext cx="7931224" cy="1143000"/>
+            <a:ext cx="8329642" cy="1143000"/>
           </a:xfrm>
         </p:spPr>
         <p:txBody>
@@ -28457,7 +28454,7 @@
         <p:spPr>
           <a:xfrm>
             <a:off x="457200" y="274638"/>
-            <a:ext cx="7787208" cy="1143000"/>
+            <a:ext cx="8329642" cy="1143000"/>
           </a:xfrm>
         </p:spPr>
         <p:txBody>
